--- a/meteoland_structures.pptx
+++ b/meteoland_structures.pptx
@@ -3273,26 +3273,22 @@
                 <a:latin typeface="Courier New"/>
                 <a:cs typeface="Courier New"/>
               </a:rPr>
-              <a:t>‘sf’ </a:t>
+              <a:t>‘sf’ from </a:t>
             </a:r>
             <a:r>
               <a:rPr lang="en-US" sz="1400" b="1" dirty="0" smtClean="0">
                 <a:latin typeface="Courier New"/>
                 <a:cs typeface="Courier New"/>
               </a:rPr>
-              <a:t>from </a:t>
+              <a:t>package ‘sf</a:t>
             </a:r>
             <a:r>
               <a:rPr lang="en-US" sz="1400" b="1" dirty="0" smtClean="0">
                 <a:latin typeface="Courier New"/>
                 <a:cs typeface="Courier New"/>
               </a:rPr>
-              <a:t>‘sf’</a:t>
-            </a:r>
-            <a:endParaRPr lang="en-US" sz="1400" b="1" dirty="0" smtClean="0">
-              <a:latin typeface="Courier New"/>
-              <a:cs typeface="Courier New"/>
-            </a:endParaRPr>
+              <a:t>’</a:t>
+            </a:r>
           </a:p>
         </p:txBody>
       </p:sp>
@@ -3304,7 +3300,7 @@
         </p:nvSpPr>
         <p:spPr>
           <a:xfrm>
-            <a:off x="1198454" y="663531"/>
+            <a:off x="1010675" y="520997"/>
             <a:ext cx="2096536" cy="369332"/>
           </a:xfrm>
           <a:prstGeom prst="rect">
@@ -3320,11 +3316,7 @@
           <a:p>
             <a:r>
               <a:rPr lang="en-US" dirty="0" smtClean="0"/>
-              <a:t>Other </a:t>
-            </a:r>
-            <a:r>
-              <a:rPr lang="en-US" dirty="0" smtClean="0"/>
-              <a:t>spatial classes</a:t>
+              <a:t>Other spatial classes</a:t>
             </a:r>
             <a:endParaRPr lang="en-US" dirty="0"/>
           </a:p>
@@ -3346,7 +3338,7 @@
           <a:prstGeom prst="straightConnector1">
             <a:avLst/>
           </a:prstGeom>
-          <a:ln>
+          <a:ln w="12700">
             <a:solidFill>
               <a:schemeClr val="tx1"/>
             </a:solidFill>
@@ -3384,7 +3376,7 @@
           <a:prstGeom prst="straightConnector1">
             <a:avLst/>
           </a:prstGeom>
-          <a:ln>
+          <a:ln w="12700">
             <a:solidFill>
               <a:schemeClr val="tx1"/>
             </a:solidFill>
@@ -3422,7 +3414,7 @@
           <a:prstGeom prst="straightConnector1">
             <a:avLst/>
           </a:prstGeom>
-          <a:ln>
+          <a:ln w="12700">
             <a:solidFill>
               <a:schemeClr val="tx1"/>
             </a:solidFill>
@@ -3484,84 +3476,12 @@
                 <a:latin typeface="Courier New"/>
                 <a:cs typeface="Courier New"/>
               </a:rPr>
-              <a:t>(…,“sf”)</a:t>
+              <a:t>(…)</a:t>
             </a:r>
             <a:endParaRPr lang="en-US" sz="1200" dirty="0" smtClean="0">
               <a:latin typeface="Courier New"/>
               <a:cs typeface="Courier New"/>
             </a:endParaRPr>
-          </a:p>
-        </p:txBody>
-      </p:sp>
-      <p:sp>
-        <p:nvSpPr>
-          <p:cNvPr id="45" name="CuadroTexto 44"/>
-          <p:cNvSpPr txBox="1"/>
-          <p:nvPr/>
-        </p:nvSpPr>
-        <p:spPr>
-          <a:xfrm>
-            <a:off x="4639473" y="717252"/>
-            <a:ext cx="1712713" cy="369332"/>
-          </a:xfrm>
-          <a:prstGeom prst="rect">
-            <a:avLst/>
-          </a:prstGeom>
-          <a:noFill/>
-        </p:spPr>
-        <p:txBody>
-          <a:bodyPr wrap="none" rtlCol="0">
-            <a:spAutoFit/>
-          </a:bodyPr>
-          <a:lstStyle/>
-          <a:p>
-            <a:r>
-              <a:rPr lang="en-US" b="1" dirty="0" err="1"/>
-              <a:t>m</a:t>
-            </a:r>
-            <a:r>
-              <a:rPr lang="en-US" b="1" dirty="0" err="1" smtClean="0"/>
-              <a:t>eteoland</a:t>
-            </a:r>
-            <a:r>
-              <a:rPr lang="en-US" dirty="0" smtClean="0"/>
-              <a:t> class</a:t>
-            </a:r>
-            <a:endParaRPr lang="en-US" dirty="0"/>
-          </a:p>
-        </p:txBody>
-      </p:sp>
-      <p:sp>
-        <p:nvSpPr>
-          <p:cNvPr id="46" name="CuadroTexto 45"/>
-          <p:cNvSpPr txBox="1"/>
-          <p:nvPr/>
-        </p:nvSpPr>
-        <p:spPr>
-          <a:xfrm>
-            <a:off x="8993328" y="717252"/>
-            <a:ext cx="893193" cy="369332"/>
-          </a:xfrm>
-          <a:prstGeom prst="rect">
-            <a:avLst/>
-          </a:prstGeom>
-          <a:noFill/>
-        </p:spPr>
-        <p:txBody>
-          <a:bodyPr wrap="none" rtlCol="0">
-            <a:spAutoFit/>
-          </a:bodyPr>
-          <a:lstStyle/>
-          <a:p>
-            <a:r>
-              <a:rPr lang="en-US" b="1" dirty="0" err="1" smtClean="0"/>
-              <a:t>sp</a:t>
-            </a:r>
-            <a:r>
-              <a:rPr lang="en-US" dirty="0" smtClean="0"/>
-              <a:t> class</a:t>
-            </a:r>
-            <a:endParaRPr lang="en-US" dirty="0"/>
           </a:p>
         </p:txBody>
       </p:sp>
@@ -3582,7 +3502,7 @@
           <a:prstGeom prst="straightConnector1">
             <a:avLst/>
           </a:prstGeom>
-          <a:ln>
+          <a:ln w="12700">
             <a:solidFill>
               <a:schemeClr val="tx1"/>
             </a:solidFill>
@@ -3733,7 +3653,7 @@
           <a:prstGeom prst="straightConnector1">
             <a:avLst/>
           </a:prstGeom>
-          <a:ln>
+          <a:ln w="12700">
             <a:solidFill>
               <a:schemeClr val="tx1"/>
             </a:solidFill>
@@ -3772,7 +3692,7 @@
           <a:prstGeom prst="straightConnector1">
             <a:avLst/>
           </a:prstGeom>
-          <a:ln>
+          <a:ln w="12700">
             <a:solidFill>
               <a:schemeClr val="tx1"/>
             </a:solidFill>
@@ -3923,7 +3843,7 @@
           <a:prstGeom prst="straightConnector1">
             <a:avLst/>
           </a:prstGeom>
-          <a:ln>
+          <a:ln w="12700">
             <a:solidFill>
               <a:schemeClr val="tx1"/>
             </a:solidFill>
@@ -3962,7 +3882,7 @@
           <a:prstGeom prst="straightConnector1">
             <a:avLst/>
           </a:prstGeom>
-          <a:ln>
+          <a:ln w="12700">
             <a:solidFill>
               <a:schemeClr val="tx1"/>
             </a:solidFill>
@@ -4117,7 +4037,7 @@
           <a:prstGeom prst="straightConnector1">
             <a:avLst/>
           </a:prstGeom>
-          <a:ln>
+          <a:ln w="12700">
             <a:solidFill>
               <a:schemeClr val="tx1"/>
             </a:solidFill>
@@ -4482,7 +4402,7 @@
           <a:prstGeom prst="straightConnector1">
             <a:avLst/>
           </a:prstGeom>
-          <a:ln>
+          <a:ln w="12700">
             <a:solidFill>
               <a:schemeClr val="tx1"/>
             </a:solidFill>
@@ -4539,6 +4459,86 @@
               </a:rPr>
               <a:t>as(…)</a:t>
             </a:r>
+          </a:p>
+        </p:txBody>
+      </p:sp>
+      <p:sp>
+        <p:nvSpPr>
+          <p:cNvPr id="41" name="CuadroTexto 40"/>
+          <p:cNvSpPr txBox="1"/>
+          <p:nvPr/>
+        </p:nvSpPr>
+        <p:spPr>
+          <a:xfrm>
+            <a:off x="4639473" y="520997"/>
+            <a:ext cx="1917897" cy="369332"/>
+          </a:xfrm>
+          <a:prstGeom prst="rect">
+            <a:avLst/>
+          </a:prstGeom>
+          <a:noFill/>
+        </p:spPr>
+        <p:txBody>
+          <a:bodyPr wrap="none" rtlCol="0">
+            <a:spAutoFit/>
+          </a:bodyPr>
+          <a:lstStyle/>
+          <a:p>
+            <a:r>
+              <a:rPr lang="en-US" b="1" dirty="0" err="1"/>
+              <a:t>m</a:t>
+            </a:r>
+            <a:r>
+              <a:rPr lang="en-US" b="1" dirty="0" err="1" smtClean="0"/>
+              <a:t>eteoland</a:t>
+            </a:r>
+            <a:r>
+              <a:rPr lang="en-US" dirty="0" smtClean="0"/>
+              <a:t> </a:t>
+            </a:r>
+            <a:r>
+              <a:rPr lang="en-US" dirty="0" smtClean="0"/>
+              <a:t>classes</a:t>
+            </a:r>
+            <a:endParaRPr lang="en-US" dirty="0"/>
+          </a:p>
+        </p:txBody>
+      </p:sp>
+      <p:sp>
+        <p:nvSpPr>
+          <p:cNvPr id="42" name="CuadroTexto 41"/>
+          <p:cNvSpPr txBox="1"/>
+          <p:nvPr/>
+        </p:nvSpPr>
+        <p:spPr>
+          <a:xfrm>
+            <a:off x="8993328" y="520997"/>
+            <a:ext cx="1098378" cy="369332"/>
+          </a:xfrm>
+          <a:prstGeom prst="rect">
+            <a:avLst/>
+          </a:prstGeom>
+          <a:noFill/>
+        </p:spPr>
+        <p:txBody>
+          <a:bodyPr wrap="none" rtlCol="0">
+            <a:spAutoFit/>
+          </a:bodyPr>
+          <a:lstStyle/>
+          <a:p>
+            <a:r>
+              <a:rPr lang="en-US" b="1" dirty="0" err="1" smtClean="0"/>
+              <a:t>sp</a:t>
+            </a:r>
+            <a:r>
+              <a:rPr lang="en-US" dirty="0" smtClean="0"/>
+              <a:t> </a:t>
+            </a:r>
+            <a:r>
+              <a:rPr lang="en-US" dirty="0" smtClean="0"/>
+              <a:t>classes</a:t>
+            </a:r>
+            <a:endParaRPr lang="en-US" dirty="0"/>
           </a:p>
         </p:txBody>
       </p:sp>
@@ -4855,8 +4855,8 @@
         </p:nvSpPr>
         <p:spPr>
           <a:xfrm>
-            <a:off x="1206855" y="1673927"/>
-            <a:ext cx="1547364" cy="523220"/>
+            <a:off x="951938" y="1673927"/>
+            <a:ext cx="1802281" cy="523220"/>
           </a:xfrm>
           <a:prstGeom prst="rect">
             <a:avLst/>
@@ -4875,70 +4875,104 @@
                 <a:latin typeface="Courier New"/>
                 <a:cs typeface="Courier New"/>
               </a:rPr>
-              <a:t>‘stars’ from ‘stars’</a:t>
-            </a:r>
-          </a:p>
-        </p:txBody>
-      </p:sp>
-      <p:sp>
-        <p:nvSpPr>
-          <p:cNvPr id="15" name="CuadroTexto 14"/>
-          <p:cNvSpPr txBox="1"/>
-          <p:nvPr/>
-        </p:nvSpPr>
-        <p:spPr>
-          <a:xfrm>
-            <a:off x="1350015" y="630012"/>
-            <a:ext cx="1430200" cy="369332"/>
-          </a:xfrm>
-          <a:prstGeom prst="rect">
-            <a:avLst/>
-          </a:prstGeom>
-          <a:noFill/>
-        </p:spPr>
-        <p:txBody>
-          <a:bodyPr wrap="none" rtlCol="0">
-            <a:spAutoFit/>
-          </a:bodyPr>
-          <a:lstStyle/>
-          <a:p>
-            <a:r>
-              <a:rPr lang="en-US" dirty="0" smtClean="0"/>
-              <a:t>Other classes</a:t>
-            </a:r>
-            <a:endParaRPr lang="en-US" dirty="0"/>
-          </a:p>
-        </p:txBody>
-      </p:sp>
-      <p:sp>
-        <p:nvSpPr>
-          <p:cNvPr id="16" name="TextBox 59"/>
-          <p:cNvSpPr txBox="1"/>
-          <p:nvPr/>
-        </p:nvSpPr>
-        <p:spPr>
-          <a:xfrm>
-            <a:off x="1211853" y="3465288"/>
-            <a:ext cx="1509313" cy="523220"/>
-          </a:xfrm>
-          <a:prstGeom prst="rect">
-            <a:avLst/>
-          </a:prstGeom>
-          <a:noFill/>
-        </p:spPr>
-        <p:txBody>
-          <a:bodyPr wrap="square" rtlCol="0">
-            <a:spAutoFit/>
-          </a:bodyPr>
-          <a:lstStyle/>
-          <a:p>
-            <a:pPr algn="ctr"/>
+              <a:t>‘stars’ from </a:t>
+            </a:r>
             <a:r>
               <a:rPr lang="en-US" sz="1400" b="1" dirty="0" smtClean="0">
                 <a:latin typeface="Courier New"/>
                 <a:cs typeface="Courier New"/>
               </a:rPr>
-              <a:t>‘STFDF’ from ‘</a:t>
+              <a:t>package ‘stars</a:t>
+            </a:r>
+            <a:r>
+              <a:rPr lang="en-US" sz="1400" b="1" dirty="0" smtClean="0">
+                <a:latin typeface="Courier New"/>
+                <a:cs typeface="Courier New"/>
+              </a:rPr>
+              <a:t>’</a:t>
+            </a:r>
+          </a:p>
+        </p:txBody>
+      </p:sp>
+      <p:sp>
+        <p:nvSpPr>
+          <p:cNvPr id="15" name="CuadroTexto 14"/>
+          <p:cNvSpPr txBox="1"/>
+          <p:nvPr/>
+        </p:nvSpPr>
+        <p:spPr>
+          <a:xfrm>
+            <a:off x="809281" y="483809"/>
+            <a:ext cx="2314456" cy="646331"/>
+          </a:xfrm>
+          <a:prstGeom prst="rect">
+            <a:avLst/>
+          </a:prstGeom>
+          <a:noFill/>
+        </p:spPr>
+        <p:txBody>
+          <a:bodyPr wrap="square" rtlCol="0">
+            <a:spAutoFit/>
+          </a:bodyPr>
+          <a:lstStyle/>
+          <a:p>
+            <a:pPr algn="ctr"/>
+            <a:r>
+              <a:rPr lang="en-US" dirty="0" smtClean="0"/>
+              <a:t>Other </a:t>
+            </a:r>
+            <a:r>
+              <a:rPr lang="en-US" dirty="0" err="1" smtClean="0"/>
+              <a:t>spatio</a:t>
+            </a:r>
+            <a:r>
+              <a:rPr lang="en-US" dirty="0" smtClean="0"/>
+              <a:t>-temporal </a:t>
+            </a:r>
+            <a:r>
+              <a:rPr lang="en-US" dirty="0" smtClean="0"/>
+              <a:t>classes</a:t>
+            </a:r>
+            <a:endParaRPr lang="en-US" dirty="0"/>
+          </a:p>
+        </p:txBody>
+      </p:sp>
+      <p:sp>
+        <p:nvSpPr>
+          <p:cNvPr id="16" name="TextBox 59"/>
+          <p:cNvSpPr txBox="1"/>
+          <p:nvPr/>
+        </p:nvSpPr>
+        <p:spPr>
+          <a:xfrm>
+            <a:off x="1211853" y="3465288"/>
+            <a:ext cx="1509313" cy="738664"/>
+          </a:xfrm>
+          <a:prstGeom prst="rect">
+            <a:avLst/>
+          </a:prstGeom>
+          <a:noFill/>
+        </p:spPr>
+        <p:txBody>
+          <a:bodyPr wrap="square" rtlCol="0">
+            <a:spAutoFit/>
+          </a:bodyPr>
+          <a:lstStyle/>
+          <a:p>
+            <a:pPr algn="ctr"/>
+            <a:r>
+              <a:rPr lang="en-US" sz="1400" b="1" dirty="0" smtClean="0">
+                <a:latin typeface="Courier New"/>
+                <a:cs typeface="Courier New"/>
+              </a:rPr>
+              <a:t>‘STFDF’ from </a:t>
+            </a:r>
+            <a:r>
+              <a:rPr lang="en-US" sz="1400" b="1" dirty="0" smtClean="0">
+                <a:latin typeface="Courier New"/>
+                <a:cs typeface="Courier New"/>
+              </a:rPr>
+              <a:t>package ‘</a:t>
             </a:r>
             <a:r>
               <a:rPr lang="en-US" sz="1400" b="1" dirty="0" err="1" smtClean="0">
@@ -4974,7 +5008,7 @@
           <a:prstGeom prst="straightConnector1">
             <a:avLst/>
           </a:prstGeom>
-          <a:ln>
+          <a:ln w="12700">
             <a:solidFill>
               <a:schemeClr val="tx1"/>
             </a:solidFill>
@@ -5012,7 +5046,7 @@
           <a:prstGeom prst="straightConnector1">
             <a:avLst/>
           </a:prstGeom>
-          <a:ln>
+          <a:ln w="12700">
             <a:solidFill>
               <a:schemeClr val="tx1"/>
             </a:solidFill>
@@ -5046,12 +5080,12 @@
         <p:spPr>
           <a:xfrm flipH="1">
             <a:off x="2721166" y="3372540"/>
-            <a:ext cx="1293898" cy="354358"/>
+            <a:ext cx="1293898" cy="462080"/>
           </a:xfrm>
           <a:prstGeom prst="straightConnector1">
             <a:avLst/>
           </a:prstGeom>
-          <a:ln>
+          <a:ln w="12700">
             <a:solidFill>
               <a:schemeClr val="tx1"/>
             </a:solidFill>
@@ -5089,7 +5123,7 @@
           <a:prstGeom prst="straightConnector1">
             <a:avLst/>
           </a:prstGeom>
-          <a:ln>
+          <a:ln w="12700">
             <a:solidFill>
               <a:schemeClr val="tx1"/>
             </a:solidFill>
@@ -5127,7 +5161,7 @@
           <a:prstGeom prst="straightConnector1">
             <a:avLst/>
           </a:prstGeom>
-          <a:ln>
+          <a:ln w="12700">
             <a:solidFill>
               <a:schemeClr val="tx1"/>
             </a:solidFill>
@@ -5165,7 +5199,7 @@
           <a:prstGeom prst="straightConnector1">
             <a:avLst/>
           </a:prstGeom>
-          <a:ln>
+          <a:ln w="12700">
             <a:solidFill>
               <a:schemeClr val="tx1"/>
             </a:solidFill>
@@ -5233,8 +5267,8 @@
         </p:nvSpPr>
         <p:spPr>
           <a:xfrm>
-            <a:off x="4639473" y="717252"/>
-            <a:ext cx="1712713" cy="369332"/>
+            <a:off x="4639473" y="520997"/>
+            <a:ext cx="1917897" cy="369332"/>
           </a:xfrm>
           <a:prstGeom prst="rect">
             <a:avLst/>
@@ -5257,7 +5291,11 @@
             </a:r>
             <a:r>
               <a:rPr lang="en-US" dirty="0" smtClean="0"/>
-              <a:t> class</a:t>
+              <a:t> </a:t>
+            </a:r>
+            <a:r>
+              <a:rPr lang="en-US" dirty="0" smtClean="0"/>
+              <a:t>classes</a:t>
             </a:r>
             <a:endParaRPr lang="en-US" dirty="0"/>
           </a:p>
@@ -5271,8 +5309,8 @@
         </p:nvSpPr>
         <p:spPr>
           <a:xfrm>
-            <a:off x="8993328" y="717252"/>
-            <a:ext cx="893193" cy="369332"/>
+            <a:off x="8993328" y="520997"/>
+            <a:ext cx="1098378" cy="369332"/>
           </a:xfrm>
           <a:prstGeom prst="rect">
             <a:avLst/>
@@ -5291,7 +5329,11 @@
             </a:r>
             <a:r>
               <a:rPr lang="en-US" dirty="0" smtClean="0"/>
-              <a:t> class</a:t>
+              <a:t> </a:t>
+            </a:r>
+            <a:r>
+              <a:rPr lang="en-US" dirty="0" smtClean="0"/>
+              <a:t>classes</a:t>
             </a:r>
             <a:endParaRPr lang="en-US" dirty="0"/>
           </a:p>
@@ -5314,7 +5356,7 @@
           <a:prstGeom prst="straightConnector1">
             <a:avLst/>
           </a:prstGeom>
-          <a:ln>
+          <a:ln w="12700">
             <a:solidFill>
               <a:schemeClr val="tx1"/>
             </a:solidFill>
@@ -5465,7 +5507,7 @@
           <a:prstGeom prst="straightConnector1">
             <a:avLst/>
           </a:prstGeom>
-          <a:ln>
+          <a:ln w="12700">
             <a:solidFill>
               <a:schemeClr val="tx1"/>
             </a:solidFill>
@@ -5496,7 +5538,7 @@
         <p:spPr>
           <a:xfrm>
             <a:off x="6800024" y="1957336"/>
-            <a:ext cx="1597446" cy="276999"/>
+            <a:ext cx="1597446" cy="461665"/>
           </a:xfrm>
           <a:prstGeom prst="rect">
             <a:avLst/>
@@ -5529,6 +5571,27 @@
               </a:rPr>
               <a:t>(…)</a:t>
             </a:r>
+          </a:p>
+          <a:p>
+            <a:pPr algn="ctr"/>
+            <a:r>
+              <a:rPr lang="en-US" sz="1200" dirty="0" err="1" smtClean="0">
+                <a:latin typeface="Courier New"/>
+                <a:cs typeface="Courier New"/>
+              </a:rPr>
+              <a:t>extractvars</a:t>
+            </a:r>
+            <a:r>
+              <a:rPr lang="en-US" sz="1200" dirty="0" smtClean="0">
+                <a:latin typeface="Courier New"/>
+                <a:cs typeface="Courier New"/>
+              </a:rPr>
+              <a:t>(…)</a:t>
+            </a:r>
+            <a:endParaRPr lang="en-US" sz="1200" dirty="0" smtClean="0">
+              <a:latin typeface="Courier New"/>
+              <a:cs typeface="Courier New"/>
+            </a:endParaRPr>
           </a:p>
         </p:txBody>
       </p:sp>
@@ -5549,7 +5612,7 @@
           <a:prstGeom prst="straightConnector1">
             <a:avLst/>
           </a:prstGeom>
-          <a:ln>
+          <a:ln w="12700">
             <a:solidFill>
               <a:schemeClr val="tx1"/>
             </a:solidFill>
@@ -5700,7 +5763,7 @@
           <a:prstGeom prst="straightConnector1">
             <a:avLst/>
           </a:prstGeom>
-          <a:ln>
+          <a:ln w="12700">
             <a:solidFill>
               <a:schemeClr val="tx1"/>
             </a:solidFill>
@@ -5739,7 +5802,7 @@
           <a:prstGeom prst="straightConnector1">
             <a:avLst/>
           </a:prstGeom>
-          <a:ln>
+          <a:ln w="12700">
             <a:solidFill>
               <a:schemeClr val="tx1"/>
             </a:solidFill>
@@ -5848,7 +5911,7 @@
         <p:spPr>
           <a:xfrm>
             <a:off x="6840008" y="3388136"/>
-            <a:ext cx="1597446" cy="276999"/>
+            <a:ext cx="1597446" cy="461665"/>
           </a:xfrm>
           <a:prstGeom prst="rect">
             <a:avLst/>
@@ -5875,12 +5938,30 @@
               <a:t>extractdates</a:t>
             </a:r>
             <a:r>
+              <a:rPr lang="en-US" sz="1200" dirty="0">
+                <a:latin typeface="Courier New"/>
+                <a:cs typeface="Courier New"/>
+              </a:rPr>
+              <a:t>(…) </a:t>
+            </a:r>
+            <a:r>
+              <a:rPr lang="en-US" sz="1200" dirty="0" err="1">
+                <a:latin typeface="Courier New"/>
+                <a:cs typeface="Courier New"/>
+              </a:rPr>
+              <a:t>extractvars</a:t>
+            </a:r>
+            <a:r>
               <a:rPr lang="en-US" sz="1200" dirty="0" smtClean="0">
                 <a:latin typeface="Courier New"/>
                 <a:cs typeface="Courier New"/>
               </a:rPr>
               <a:t>(…)</a:t>
             </a:r>
+            <a:endParaRPr lang="en-US" sz="1200" dirty="0">
+              <a:latin typeface="Courier New"/>
+              <a:cs typeface="Courier New"/>
+            </a:endParaRPr>
           </a:p>
         </p:txBody>
       </p:sp>
@@ -5939,7 +6020,7 @@
           <a:prstGeom prst="straightConnector1">
             <a:avLst/>
           </a:prstGeom>
-          <a:ln>
+          <a:ln w="12700">
             <a:solidFill>
               <a:schemeClr val="tx1"/>
             </a:solidFill>
@@ -6007,7 +6088,7 @@
         <p:spPr>
           <a:xfrm>
             <a:off x="6783417" y="4693508"/>
-            <a:ext cx="1597446" cy="276999"/>
+            <a:ext cx="1597446" cy="461665"/>
           </a:xfrm>
           <a:prstGeom prst="rect">
             <a:avLst/>
@@ -6034,12 +6115,30 @@
               <a:t>extractdates</a:t>
             </a:r>
             <a:r>
+              <a:rPr lang="en-US" sz="1200" dirty="0">
+                <a:latin typeface="Courier New"/>
+                <a:cs typeface="Courier New"/>
+              </a:rPr>
+              <a:t>(…) </a:t>
+            </a:r>
+            <a:r>
+              <a:rPr lang="en-US" sz="1200" dirty="0" err="1">
+                <a:latin typeface="Courier New"/>
+                <a:cs typeface="Courier New"/>
+              </a:rPr>
+              <a:t>extractvars</a:t>
+            </a:r>
+            <a:r>
               <a:rPr lang="en-US" sz="1200" dirty="0" smtClean="0">
                 <a:latin typeface="Courier New"/>
                 <a:cs typeface="Courier New"/>
               </a:rPr>
               <a:t>(…)</a:t>
             </a:r>
+            <a:endParaRPr lang="en-US" sz="1200" dirty="0">
+              <a:latin typeface="Courier New"/>
+              <a:cs typeface="Courier New"/>
+            </a:endParaRPr>
           </a:p>
         </p:txBody>
       </p:sp>
